--- a/2018-11-24/Slide.pptx
+++ b/2018-11-24/Slide.pptx
@@ -30,18 +30,20 @@
     <p:sldId id="280" r:id="rId24"/>
     <p:sldId id="282" r:id="rId25"/>
     <p:sldId id="281" r:id="rId26"/>
-    <p:sldId id="287" r:id="rId27"/>
-    <p:sldId id="285" r:id="rId28"/>
-    <p:sldId id="286" r:id="rId29"/>
-    <p:sldId id="288" r:id="rId30"/>
-    <p:sldId id="294" r:id="rId31"/>
-    <p:sldId id="293" r:id="rId32"/>
-    <p:sldId id="292" r:id="rId33"/>
-    <p:sldId id="289" r:id="rId34"/>
-    <p:sldId id="290" r:id="rId35"/>
-    <p:sldId id="291" r:id="rId36"/>
-    <p:sldId id="295" r:id="rId37"/>
-    <p:sldId id="296" r:id="rId38"/>
+    <p:sldId id="298" r:id="rId27"/>
+    <p:sldId id="287" r:id="rId28"/>
+    <p:sldId id="285" r:id="rId29"/>
+    <p:sldId id="286" r:id="rId30"/>
+    <p:sldId id="288" r:id="rId31"/>
+    <p:sldId id="297" r:id="rId32"/>
+    <p:sldId id="294" r:id="rId33"/>
+    <p:sldId id="293" r:id="rId34"/>
+    <p:sldId id="292" r:id="rId35"/>
+    <p:sldId id="289" r:id="rId36"/>
+    <p:sldId id="290" r:id="rId37"/>
+    <p:sldId id="291" r:id="rId38"/>
+    <p:sldId id="295" r:id="rId39"/>
+    <p:sldId id="296" r:id="rId40"/>
   </p:sldIdLst>
   <p:sldSz cx="12192000" cy="6858000"/>
   <p:notesSz cx="6858000" cy="9144000"/>
@@ -277,7 +279,7 @@
           <a:p>
             <a:fld id="{63A1C593-65D0-4073-BCC9-577B9352EA97}" type="datetimeFigureOut">
               <a:rPr lang="en-US" smtClean="0"/>
-              <a:t>11/24/2018</a:t>
+              <a:t>12/1/2018</a:t>
             </a:fld>
             <a:endParaRPr lang="en-US"/>
           </a:p>
@@ -445,7 +447,7 @@
           <a:p>
             <a:fld id="{63A1C593-65D0-4073-BCC9-577B9352EA97}" type="datetimeFigureOut">
               <a:rPr lang="en-US" smtClean="0"/>
-              <a:t>11/24/2018</a:t>
+              <a:t>12/1/2018</a:t>
             </a:fld>
             <a:endParaRPr lang="en-US"/>
           </a:p>
@@ -623,7 +625,7 @@
           <a:p>
             <a:fld id="{63A1C593-65D0-4073-BCC9-577B9352EA97}" type="datetimeFigureOut">
               <a:rPr lang="en-US" smtClean="0"/>
-              <a:t>11/24/2018</a:t>
+              <a:t>12/1/2018</a:t>
             </a:fld>
             <a:endParaRPr lang="en-US"/>
           </a:p>
@@ -791,7 +793,7 @@
           <a:p>
             <a:fld id="{63A1C593-65D0-4073-BCC9-577B9352EA97}" type="datetimeFigureOut">
               <a:rPr lang="en-US" smtClean="0"/>
-              <a:t>11/24/2018</a:t>
+              <a:t>12/1/2018</a:t>
             </a:fld>
             <a:endParaRPr lang="en-US"/>
           </a:p>
@@ -1036,7 +1038,7 @@
           <a:p>
             <a:fld id="{63A1C593-65D0-4073-BCC9-577B9352EA97}" type="datetimeFigureOut">
               <a:rPr lang="en-US" smtClean="0"/>
-              <a:t>11/24/2018</a:t>
+              <a:t>12/1/2018</a:t>
             </a:fld>
             <a:endParaRPr lang="en-US"/>
           </a:p>
@@ -1265,7 +1267,7 @@
           <a:p>
             <a:fld id="{63A1C593-65D0-4073-BCC9-577B9352EA97}" type="datetimeFigureOut">
               <a:rPr lang="en-US" smtClean="0"/>
-              <a:t>11/24/2018</a:t>
+              <a:t>12/1/2018</a:t>
             </a:fld>
             <a:endParaRPr lang="en-US"/>
           </a:p>
@@ -1629,7 +1631,7 @@
           <a:p>
             <a:fld id="{63A1C593-65D0-4073-BCC9-577B9352EA97}" type="datetimeFigureOut">
               <a:rPr lang="en-US" smtClean="0"/>
-              <a:t>11/24/2018</a:t>
+              <a:t>12/1/2018</a:t>
             </a:fld>
             <a:endParaRPr lang="en-US"/>
           </a:p>
@@ -1746,7 +1748,7 @@
           <a:p>
             <a:fld id="{63A1C593-65D0-4073-BCC9-577B9352EA97}" type="datetimeFigureOut">
               <a:rPr lang="en-US" smtClean="0"/>
-              <a:t>11/24/2018</a:t>
+              <a:t>12/1/2018</a:t>
             </a:fld>
             <a:endParaRPr lang="en-US"/>
           </a:p>
@@ -1841,7 +1843,7 @@
           <a:p>
             <a:fld id="{63A1C593-65D0-4073-BCC9-577B9352EA97}" type="datetimeFigureOut">
               <a:rPr lang="en-US" smtClean="0"/>
-              <a:t>11/24/2018</a:t>
+              <a:t>12/1/2018</a:t>
             </a:fld>
             <a:endParaRPr lang="en-US"/>
           </a:p>
@@ -2116,7 +2118,7 @@
           <a:p>
             <a:fld id="{63A1C593-65D0-4073-BCC9-577B9352EA97}" type="datetimeFigureOut">
               <a:rPr lang="en-US" smtClean="0"/>
-              <a:t>11/24/2018</a:t>
+              <a:t>12/1/2018</a:t>
             </a:fld>
             <a:endParaRPr lang="en-US"/>
           </a:p>
@@ -2368,7 +2370,7 @@
           <a:p>
             <a:fld id="{63A1C593-65D0-4073-BCC9-577B9352EA97}" type="datetimeFigureOut">
               <a:rPr lang="en-US" smtClean="0"/>
-              <a:t>11/24/2018</a:t>
+              <a:t>12/1/2018</a:t>
             </a:fld>
             <a:endParaRPr lang="en-US"/>
           </a:p>
@@ -2579,7 +2581,7 @@
           <a:p>
             <a:fld id="{63A1C593-65D0-4073-BCC9-577B9352EA97}" type="datetimeFigureOut">
               <a:rPr lang="en-US" smtClean="0"/>
-              <a:t>11/24/2018</a:t>
+              <a:t>12/1/2018</a:t>
             </a:fld>
             <a:endParaRPr lang="en-US"/>
           </a:p>
@@ -5496,6 +5498,113 @@
           <p:cNvPr id="2" name="标题 1">
             <a:extLst>
               <a:ext uri="{FF2B5EF4-FFF2-40B4-BE49-F238E27FC236}">
+                <a16:creationId xmlns:a16="http://schemas.microsoft.com/office/drawing/2014/main" id="{01D86451-A8CC-4FBA-BE9E-502CF925986A}"/>
+              </a:ext>
+            </a:extLst>
+          </p:cNvPr>
+          <p:cNvSpPr>
+            <a:spLocks noGrp="1"/>
+          </p:cNvSpPr>
+          <p:nvPr>
+            <p:ph type="title"/>
+          </p:nvPr>
+        </p:nvSpPr>
+        <p:spPr/>
+        <p:txBody>
+          <a:bodyPr/>
+          <a:lstStyle/>
+          <a:p>
+            <a:r>
+              <a:rPr lang="zh-CN" altLang="en-US" dirty="0"/>
+              <a:t>概览</a:t>
+            </a:r>
+          </a:p>
+        </p:txBody>
+      </p:sp>
+      <p:sp>
+        <p:nvSpPr>
+          <p:cNvPr id="3" name="内容占位符 2">
+            <a:extLst>
+              <a:ext uri="{FF2B5EF4-FFF2-40B4-BE49-F238E27FC236}">
+                <a16:creationId xmlns:a16="http://schemas.microsoft.com/office/drawing/2014/main" id="{6904B220-8438-4354-B062-89D9F079A36C}"/>
+              </a:ext>
+            </a:extLst>
+          </p:cNvPr>
+          <p:cNvSpPr>
+            <a:spLocks noGrp="1"/>
+          </p:cNvSpPr>
+          <p:nvPr>
+            <p:ph idx="1"/>
+          </p:nvPr>
+        </p:nvSpPr>
+        <p:spPr/>
+        <p:txBody>
+          <a:bodyPr/>
+          <a:lstStyle/>
+          <a:p>
+            <a:r>
+              <a:rPr lang="zh-CN" altLang="en-US" dirty="0"/>
+              <a:t>词法分析：把字符串切成符号</a:t>
+            </a:r>
+            <a:endParaRPr lang="en-US" altLang="zh-CN" dirty="0"/>
+          </a:p>
+          <a:p>
+            <a:r>
+              <a:rPr lang="zh-CN" altLang="en-US" dirty="0"/>
+              <a:t>语法分析：将符号构建为表达式（语法树）</a:t>
+            </a:r>
+            <a:endParaRPr lang="en-US" altLang="zh-CN" dirty="0"/>
+          </a:p>
+          <a:p>
+            <a:r>
+              <a:rPr lang="zh-CN" altLang="en-US" dirty="0"/>
+              <a:t>语义分析：在语法树上检查语义，确定类型，判断错误冲突</a:t>
+            </a:r>
+            <a:endParaRPr lang="en-US" altLang="zh-CN" dirty="0"/>
+          </a:p>
+          <a:p>
+            <a:endParaRPr lang="en-US" altLang="zh-CN" dirty="0"/>
+          </a:p>
+          <a:p>
+            <a:endParaRPr lang="zh-CN" altLang="en-US" dirty="0"/>
+          </a:p>
+        </p:txBody>
+      </p:sp>
+    </p:spTree>
+    <p:extLst>
+      <p:ext uri="{BB962C8B-B14F-4D97-AF65-F5344CB8AC3E}">
+        <p14:creationId xmlns:p14="http://schemas.microsoft.com/office/powerpoint/2010/main" val="371078038"/>
+      </p:ext>
+    </p:extLst>
+  </p:cSld>
+  <p:clrMapOvr>
+    <a:masterClrMapping/>
+  </p:clrMapOvr>
+</p:sld>
+</file>
+
+<file path=ppt/slides/slide27.xml><?xml version="1.0" encoding="utf-8"?>
+<p:sld xmlns:a="http://schemas.openxmlformats.org/drawingml/2006/main" xmlns:r="http://schemas.openxmlformats.org/officeDocument/2006/relationships" xmlns:p="http://schemas.openxmlformats.org/presentationml/2006/main">
+  <p:cSld>
+    <p:spTree>
+      <p:nvGrpSpPr>
+        <p:cNvPr id="1" name=""/>
+        <p:cNvGrpSpPr/>
+        <p:nvPr/>
+      </p:nvGrpSpPr>
+      <p:grpSpPr>
+        <a:xfrm>
+          <a:off x="0" y="0"/>
+          <a:ext cx="0" cy="0"/>
+          <a:chOff x="0" y="0"/>
+          <a:chExt cx="0" cy="0"/>
+        </a:xfrm>
+      </p:grpSpPr>
+      <p:sp>
+        <p:nvSpPr>
+          <p:cNvPr id="2" name="标题 1">
+            <a:extLst>
+              <a:ext uri="{FF2B5EF4-FFF2-40B4-BE49-F238E27FC236}">
                 <a16:creationId xmlns:a16="http://schemas.microsoft.com/office/drawing/2014/main" id="{62867A46-A7C5-4D68-B808-6DF67153238C}"/>
               </a:ext>
             </a:extLst>
@@ -5557,6 +5666,37 @@
             <a:r>
               <a:rPr lang="zh-CN" altLang="en-US" dirty="0"/>
               <a:t>规则不能冲突</a:t>
+            </a:r>
+            <a:endParaRPr lang="en-US" altLang="zh-CN" dirty="0"/>
+          </a:p>
+          <a:p>
+            <a:endParaRPr lang="en-US" altLang="zh-CN" dirty="0"/>
+          </a:p>
+          <a:p>
+            <a:r>
+              <a:rPr lang="zh-CN" altLang="en-US" dirty="0"/>
+              <a:t>标识符开头不是整数</a:t>
+            </a:r>
+            <a:endParaRPr lang="en-US" altLang="zh-CN" dirty="0"/>
+          </a:p>
+          <a:p>
+            <a:r>
+              <a:rPr lang="zh-CN" altLang="en-US" dirty="0"/>
+              <a:t>转义字符</a:t>
+            </a:r>
+            <a:endParaRPr lang="en-US" altLang="zh-CN" dirty="0"/>
+          </a:p>
+          <a:p>
+            <a:r>
+              <a:rPr lang="zh-CN" altLang="en-US" dirty="0"/>
+              <a:t>请学生家长就位</a:t>
+            </a:r>
+            <a:endParaRPr lang="en-US" altLang="zh-CN" dirty="0"/>
+          </a:p>
+          <a:p>
+            <a:r>
+              <a:rPr lang="zh-CN" altLang="en-US" dirty="0"/>
+              <a:t>中华人民共和国</a:t>
             </a:r>
           </a:p>
         </p:txBody>
@@ -5664,7 +5804,7 @@
 </p:sld>
 </file>
 
-<file path=ppt/slides/slide27.xml><?xml version="1.0" encoding="utf-8"?>
+<file path=ppt/slides/slide28.xml><?xml version="1.0" encoding="utf-8"?>
 <p:sld xmlns:a="http://schemas.openxmlformats.org/drawingml/2006/main" xmlns:r="http://schemas.openxmlformats.org/officeDocument/2006/relationships" xmlns:p="http://schemas.openxmlformats.org/presentationml/2006/main">
   <p:cSld>
     <p:spTree>
@@ -5762,6 +5902,18 @@
               <a:rPr lang="zh-CN" altLang="en-US" dirty="0"/>
               <a:t>同一记号作用不同</a:t>
             </a:r>
+            <a:endParaRPr lang="en-US" altLang="zh-CN" dirty="0"/>
+          </a:p>
+          <a:p>
+            <a:endParaRPr lang="en-US" altLang="zh-CN" dirty="0"/>
+          </a:p>
+          <a:p>
+            <a:r>
+              <a:rPr lang="en-US" altLang="zh-CN" dirty="0"/>
+              <a:t>Time flies like an arrow</a:t>
+            </a:r>
+          </a:p>
+          <a:p>
             <a:endParaRPr lang="en-US" altLang="zh-CN" dirty="0"/>
           </a:p>
           <a:p>
@@ -5842,7 +5994,7 @@
 </p:sld>
 </file>
 
-<file path=ppt/slides/slide28.xml><?xml version="1.0" encoding="utf-8"?>
+<file path=ppt/slides/slide29.xml><?xml version="1.0" encoding="utf-8"?>
 <p:sld xmlns:a="http://schemas.openxmlformats.org/drawingml/2006/main" xmlns:r="http://schemas.openxmlformats.org/officeDocument/2006/relationships" xmlns:p="http://schemas.openxmlformats.org/presentationml/2006/main">
   <p:cSld>
     <p:spTree>
@@ -6012,146 +6164,6 @@
 </p:sld>
 </file>
 
-<file path=ppt/slides/slide29.xml><?xml version="1.0" encoding="utf-8"?>
-<p:sld xmlns:a="http://schemas.openxmlformats.org/drawingml/2006/main" xmlns:r="http://schemas.openxmlformats.org/officeDocument/2006/relationships" xmlns:p="http://schemas.openxmlformats.org/presentationml/2006/main">
-  <p:cSld>
-    <p:spTree>
-      <p:nvGrpSpPr>
-        <p:cNvPr id="1" name=""/>
-        <p:cNvGrpSpPr/>
-        <p:nvPr/>
-      </p:nvGrpSpPr>
-      <p:grpSpPr>
-        <a:xfrm>
-          <a:off x="0" y="0"/>
-          <a:ext cx="0" cy="0"/>
-          <a:chOff x="0" y="0"/>
-          <a:chExt cx="0" cy="0"/>
-        </a:xfrm>
-      </p:grpSpPr>
-      <p:sp>
-        <p:nvSpPr>
-          <p:cNvPr id="2" name="标题 1">
-            <a:extLst>
-              <a:ext uri="{FF2B5EF4-FFF2-40B4-BE49-F238E27FC236}">
-                <a16:creationId xmlns:a16="http://schemas.microsoft.com/office/drawing/2014/main" id="{04BF71CD-1059-4BF6-A96B-ECCD775F0C58}"/>
-              </a:ext>
-            </a:extLst>
-          </p:cNvPr>
-          <p:cNvSpPr>
-            <a:spLocks noGrp="1"/>
-          </p:cNvSpPr>
-          <p:nvPr>
-            <p:ph type="title"/>
-          </p:nvPr>
-        </p:nvSpPr>
-        <p:spPr/>
-        <p:txBody>
-          <a:bodyPr/>
-          <a:lstStyle/>
-          <a:p>
-            <a:r>
-              <a:rPr lang="zh-CN" altLang="en-US" dirty="0"/>
-              <a:t>优化</a:t>
-            </a:r>
-          </a:p>
-        </p:txBody>
-      </p:sp>
-      <p:sp>
-        <p:nvSpPr>
-          <p:cNvPr id="3" name="内容占位符 2">
-            <a:extLst>
-              <a:ext uri="{FF2B5EF4-FFF2-40B4-BE49-F238E27FC236}">
-                <a16:creationId xmlns:a16="http://schemas.microsoft.com/office/drawing/2014/main" id="{690EEED2-3C44-470B-943C-5A0A8EE78BAD}"/>
-              </a:ext>
-            </a:extLst>
-          </p:cNvPr>
-          <p:cNvSpPr>
-            <a:spLocks noGrp="1"/>
-          </p:cNvSpPr>
-          <p:nvPr>
-            <p:ph idx="1"/>
-          </p:nvPr>
-        </p:nvSpPr>
-        <p:spPr/>
-        <p:txBody>
-          <a:bodyPr/>
-          <a:lstStyle/>
-          <a:p>
-            <a:r>
-              <a:rPr lang="zh-CN" altLang="en-US" dirty="0"/>
-              <a:t>中间语言生成（转三地址码）</a:t>
-            </a:r>
-            <a:endParaRPr lang="en-US" altLang="zh-CN" dirty="0"/>
-          </a:p>
-          <a:p>
-            <a:r>
-              <a:rPr lang="zh-CN" altLang="en-US" dirty="0"/>
-              <a:t>目标代码生成优化</a:t>
-            </a:r>
-            <a:endParaRPr lang="en-US" altLang="zh-CN" dirty="0"/>
-          </a:p>
-          <a:p>
-            <a:r>
-              <a:rPr lang="zh-CN" altLang="en-US" dirty="0"/>
-              <a:t>以上略过</a:t>
-            </a:r>
-            <a:endParaRPr lang="en-US" altLang="zh-CN" dirty="0"/>
-          </a:p>
-          <a:p>
-            <a:endParaRPr lang="en-US" altLang="zh-CN" dirty="0"/>
-          </a:p>
-          <a:p>
-            <a:r>
-              <a:rPr lang="zh-CN" altLang="en-US" dirty="0"/>
-              <a:t>生成目标代码中缺少的部分由链接补全</a:t>
-            </a:r>
-            <a:endParaRPr lang="en-US" altLang="zh-CN" dirty="0"/>
-          </a:p>
-          <a:p>
-            <a:r>
-              <a:rPr lang="zh-CN" altLang="en-US" dirty="0"/>
-              <a:t>以上三步是前端已经足够理解语言，可以构建汇编</a:t>
-            </a:r>
-            <a:r>
-              <a:rPr lang="en-US" altLang="zh-CN" dirty="0"/>
-              <a:t>/</a:t>
-            </a:r>
-            <a:r>
-              <a:rPr lang="zh-CN" altLang="en-US" dirty="0"/>
-              <a:t>转语言</a:t>
-            </a:r>
-            <a:endParaRPr lang="en-US" altLang="zh-CN" dirty="0"/>
-          </a:p>
-          <a:p>
-            <a:r>
-              <a:rPr lang="zh-CN" altLang="en-US" dirty="0"/>
-              <a:t>研究重点在优化，前端已经和成熟</a:t>
-            </a:r>
-            <a:endParaRPr lang="en-US" altLang="zh-CN" dirty="0"/>
-          </a:p>
-          <a:p>
-            <a:r>
-              <a:rPr lang="zh-CN" altLang="en-US" dirty="0"/>
-              <a:t>也有人用机器学习方法做前端</a:t>
-            </a:r>
-            <a:endParaRPr lang="en-US" altLang="zh-CN" dirty="0"/>
-          </a:p>
-        </p:txBody>
-      </p:sp>
-    </p:spTree>
-    <p:extLst>
-      <p:ext uri="{BB962C8B-B14F-4D97-AF65-F5344CB8AC3E}">
-        <p14:creationId xmlns:p14="http://schemas.microsoft.com/office/powerpoint/2010/main" val="2640307398"/>
-      </p:ext>
-    </p:extLst>
-  </p:cSld>
-  <p:clrMapOvr>
-    <a:masterClrMapping/>
-  </p:clrMapOvr>
-</p:sld>
-</file>
-
 <file path=ppt/slides/slide3.xml><?xml version="1.0" encoding="utf-8"?>
 <p:sld xmlns:a="http://schemas.openxmlformats.org/drawingml/2006/main" xmlns:r="http://schemas.openxmlformats.org/officeDocument/2006/relationships" xmlns:p="http://schemas.openxmlformats.org/presentationml/2006/main">
   <p:cSld>
@@ -6257,7 +6269,7 @@
           <p:cNvPr id="2" name="标题 1">
             <a:extLst>
               <a:ext uri="{FF2B5EF4-FFF2-40B4-BE49-F238E27FC236}">
-                <a16:creationId xmlns:a16="http://schemas.microsoft.com/office/drawing/2014/main" id="{D38E9230-12A2-4048-AB5B-5B79031B22EE}"/>
+                <a16:creationId xmlns:a16="http://schemas.microsoft.com/office/drawing/2014/main" id="{04BF71CD-1059-4BF6-A96B-ECCD775F0C58}"/>
               </a:ext>
             </a:extLst>
           </p:cNvPr>
@@ -6275,7 +6287,7 @@
           <a:p>
             <a:r>
               <a:rPr lang="zh-CN" altLang="en-US" dirty="0"/>
-              <a:t>计算理论</a:t>
+              <a:t>优化</a:t>
             </a:r>
           </a:p>
         </p:txBody>
@@ -6285,7 +6297,7 @@
           <p:cNvPr id="3" name="内容占位符 2">
             <a:extLst>
               <a:ext uri="{FF2B5EF4-FFF2-40B4-BE49-F238E27FC236}">
-                <a16:creationId xmlns:a16="http://schemas.microsoft.com/office/drawing/2014/main" id="{153C0534-F513-42BC-9BBC-46B6592D63F4}"/>
+                <a16:creationId xmlns:a16="http://schemas.microsoft.com/office/drawing/2014/main" id="{690EEED2-3C44-470B-943C-5A0A8EE78BAD}"/>
               </a:ext>
             </a:extLst>
           </p:cNvPr>
@@ -6303,21 +6315,60 @@
           <a:p>
             <a:r>
               <a:rPr lang="zh-CN" altLang="en-US" dirty="0"/>
-              <a:t>可计算性理论：什么可以算</a:t>
-            </a:r>
-            <a:endParaRPr lang="en-US" altLang="zh-CN" dirty="0"/>
-          </a:p>
-          <a:p>
-            <a:r>
-              <a:rPr lang="zh-CN" altLang="en-US" dirty="0"/>
-              <a:t>复杂度理论：能算的问题能算多快</a:t>
-            </a:r>
-            <a:endParaRPr lang="en-US" altLang="zh-CN" dirty="0"/>
-          </a:p>
-          <a:p>
-            <a:r>
-              <a:rPr lang="zh-CN" altLang="en-US" dirty="0"/>
-              <a:t>自动机理论：能算的问题怎么算</a:t>
+              <a:t>中间语言生成（转三地址码）</a:t>
+            </a:r>
+            <a:endParaRPr lang="en-US" altLang="zh-CN" dirty="0"/>
+          </a:p>
+          <a:p>
+            <a:r>
+              <a:rPr lang="zh-CN" altLang="en-US" dirty="0"/>
+              <a:t>目标代码生成优化</a:t>
+            </a:r>
+            <a:endParaRPr lang="en-US" altLang="zh-CN" dirty="0"/>
+          </a:p>
+          <a:p>
+            <a:r>
+              <a:rPr lang="zh-CN" altLang="en-US" dirty="0"/>
+              <a:t>以上略过</a:t>
+            </a:r>
+            <a:endParaRPr lang="en-US" altLang="zh-CN" dirty="0"/>
+          </a:p>
+          <a:p>
+            <a:endParaRPr lang="en-US" altLang="zh-CN" dirty="0"/>
+          </a:p>
+          <a:p>
+            <a:r>
+              <a:rPr lang="zh-CN" altLang="en-US" dirty="0"/>
+              <a:t>生成目标代码中缺少的部分由链接补全</a:t>
+            </a:r>
+            <a:endParaRPr lang="en-US" altLang="zh-CN" dirty="0"/>
+          </a:p>
+          <a:p>
+            <a:r>
+              <a:rPr lang="zh-CN" altLang="en-US" dirty="0"/>
+              <a:t>以上三步是前端已经足够理解语言，可以构建汇编</a:t>
+            </a:r>
+            <a:r>
+              <a:rPr lang="en-US" altLang="zh-CN" dirty="0"/>
+              <a:t>/</a:t>
+            </a:r>
+            <a:r>
+              <a:rPr lang="zh-CN" altLang="en-US" dirty="0"/>
+              <a:t>转语言</a:t>
+            </a:r>
+            <a:endParaRPr lang="en-US" altLang="zh-CN" dirty="0"/>
+          </a:p>
+          <a:p>
+            <a:r>
+              <a:rPr lang="zh-CN" altLang="en-US" dirty="0"/>
+              <a:t>研究重点在优化，前端已经和成熟</a:t>
+            </a:r>
+            <a:endParaRPr lang="en-US" altLang="zh-CN" dirty="0"/>
+          </a:p>
+          <a:p>
+            <a:r>
+              <a:rPr lang="zh-CN" altLang="en-US" dirty="0"/>
+              <a:t>也有人用机器学习方法做前端</a:t>
             </a:r>
             <a:endParaRPr lang="en-US" altLang="zh-CN" dirty="0"/>
           </a:p>
@@ -6326,7 +6377,7 @@
     </p:spTree>
     <p:extLst>
       <p:ext uri="{BB962C8B-B14F-4D97-AF65-F5344CB8AC3E}">
-        <p14:creationId xmlns:p14="http://schemas.microsoft.com/office/powerpoint/2010/main" val="4250249964"/>
+        <p14:creationId xmlns:p14="http://schemas.microsoft.com/office/powerpoint/2010/main" val="2640307398"/>
       </p:ext>
     </p:extLst>
   </p:cSld>
@@ -6358,7 +6409,7 @@
           <p:cNvPr id="2" name="标题 1">
             <a:extLst>
               <a:ext uri="{FF2B5EF4-FFF2-40B4-BE49-F238E27FC236}">
-                <a16:creationId xmlns:a16="http://schemas.microsoft.com/office/drawing/2014/main" id="{51F6C981-BC7D-4E22-9A4A-268F393B7D3B}"/>
+                <a16:creationId xmlns:a16="http://schemas.microsoft.com/office/drawing/2014/main" id="{C740CD3F-E687-45D9-BC18-9EA78BB3FC7B}"/>
               </a:ext>
             </a:extLst>
           </p:cNvPr>
@@ -6376,7 +6427,7 @@
           <a:p>
             <a:r>
               <a:rPr lang="zh-CN" altLang="en-US" dirty="0"/>
-              <a:t>图灵机</a:t>
+              <a:t>构建自己的语言</a:t>
             </a:r>
           </a:p>
         </p:txBody>
@@ -6386,7 +6437,7 @@
           <p:cNvPr id="3" name="内容占位符 2">
             <a:extLst>
               <a:ext uri="{FF2B5EF4-FFF2-40B4-BE49-F238E27FC236}">
-                <a16:creationId xmlns:a16="http://schemas.microsoft.com/office/drawing/2014/main" id="{C16A1129-015C-4522-A988-1B0CCD955DE4}"/>
+                <a16:creationId xmlns:a16="http://schemas.microsoft.com/office/drawing/2014/main" id="{79310E1C-3DA9-49BE-9B38-7CB84E755A4A}"/>
               </a:ext>
             </a:extLst>
           </p:cNvPr>
@@ -6404,35 +6455,42 @@
           <a:p>
             <a:r>
               <a:rPr lang="zh-CN" altLang="en-US" dirty="0"/>
-              <a:t>无限长的纸条，控制头根据机器状态和指向位置，执行读写，可以左右移动</a:t>
-            </a:r>
-            <a:endParaRPr lang="en-US" altLang="zh-CN" dirty="0"/>
-          </a:p>
-          <a:p>
-            <a:r>
-              <a:rPr lang="zh-CN" altLang="en-US" dirty="0"/>
-              <a:t>只要一个问题能够计算就有一个图灵机能够计算它</a:t>
-            </a:r>
-            <a:endParaRPr lang="en-US" altLang="zh-CN" dirty="0"/>
-          </a:p>
-          <a:p>
-            <a:r>
-              <a:rPr lang="zh-CN" altLang="en-US" dirty="0"/>
-              <a:t>任何算法都能用图灵机实现</a:t>
-            </a:r>
-            <a:endParaRPr lang="en-US" altLang="zh-CN" dirty="0"/>
-          </a:p>
-          <a:p>
-            <a:r>
-              <a:rPr lang="zh-CN" altLang="en-US" dirty="0"/>
-              <a:t>计算机是图灵机的缩减版，计算机的空间是有限的</a:t>
-            </a:r>
-            <a:endParaRPr lang="en-US" altLang="zh-CN" dirty="0"/>
-          </a:p>
-          <a:p>
-            <a:endParaRPr lang="en-US" altLang="zh-CN" dirty="0"/>
-          </a:p>
-          <a:p>
+              <a:t>语言的词法和语法需要满足一些规则，此处不详细展开</a:t>
+            </a:r>
+            <a:endParaRPr lang="en-US" altLang="zh-CN" dirty="0"/>
+          </a:p>
+          <a:p>
+            <a:r>
+              <a:rPr lang="zh-CN" altLang="en-US" dirty="0"/>
+              <a:t>使用一些工具比如</a:t>
+            </a:r>
+            <a:r>
+              <a:rPr lang="en-US" altLang="zh-CN" dirty="0" err="1"/>
+              <a:t>lex</a:t>
+            </a:r>
+            <a:r>
+              <a:rPr lang="en-US" altLang="zh-CN" dirty="0"/>
+              <a:t>, </a:t>
+            </a:r>
+            <a:r>
+              <a:rPr lang="en-US" altLang="zh-CN" dirty="0" err="1"/>
+              <a:t>yacc</a:t>
+            </a:r>
+            <a:r>
+              <a:rPr lang="zh-CN" altLang="en-US" dirty="0"/>
+              <a:t>能够方便地构建自己的语言</a:t>
+            </a:r>
+            <a:endParaRPr lang="en-US" altLang="zh-CN" dirty="0"/>
+          </a:p>
+          <a:p>
+            <a:r>
+              <a:rPr lang="zh-CN" altLang="en-US" dirty="0"/>
+              <a:t>也可以把语言转化为其他基本的语言，比如</a:t>
+            </a:r>
+            <a:r>
+              <a:rPr lang="en-US" altLang="zh-CN" dirty="0"/>
+              <a:t>C</a:t>
+            </a:r>
             <a:endParaRPr lang="zh-CN" altLang="en-US" dirty="0"/>
           </a:p>
         </p:txBody>
@@ -6440,7 +6498,7 @@
     </p:spTree>
     <p:extLst>
       <p:ext uri="{BB962C8B-B14F-4D97-AF65-F5344CB8AC3E}">
-        <p14:creationId xmlns:p14="http://schemas.microsoft.com/office/powerpoint/2010/main" val="2782710356"/>
+        <p14:creationId xmlns:p14="http://schemas.microsoft.com/office/powerpoint/2010/main" val="1090706680"/>
       </p:ext>
     </p:extLst>
   </p:cSld>
@@ -6472,7 +6530,7 @@
           <p:cNvPr id="2" name="标题 1">
             <a:extLst>
               <a:ext uri="{FF2B5EF4-FFF2-40B4-BE49-F238E27FC236}">
-                <a16:creationId xmlns:a16="http://schemas.microsoft.com/office/drawing/2014/main" id="{13ED52B1-8A01-419A-9730-2F6ADA02A9FF}"/>
+                <a16:creationId xmlns:a16="http://schemas.microsoft.com/office/drawing/2014/main" id="{D38E9230-12A2-4048-AB5B-5B79031B22EE}"/>
               </a:ext>
             </a:extLst>
           </p:cNvPr>
@@ -6490,7 +6548,7 @@
           <a:p>
             <a:r>
               <a:rPr lang="zh-CN" altLang="en-US" dirty="0"/>
-              <a:t>字符串观点下的计算机</a:t>
+              <a:t>计算理论</a:t>
             </a:r>
           </a:p>
         </p:txBody>
@@ -6500,7 +6558,7 @@
           <p:cNvPr id="3" name="内容占位符 2">
             <a:extLst>
               <a:ext uri="{FF2B5EF4-FFF2-40B4-BE49-F238E27FC236}">
-                <a16:creationId xmlns:a16="http://schemas.microsoft.com/office/drawing/2014/main" id="{BF500792-9114-41F4-B98C-05F853B67C47}"/>
+                <a16:creationId xmlns:a16="http://schemas.microsoft.com/office/drawing/2014/main" id="{153C0534-F513-42BC-9BBC-46B6592D63F4}"/>
               </a:ext>
             </a:extLst>
           </p:cNvPr>
@@ -6518,44 +6576,30 @@
           <a:p>
             <a:r>
               <a:rPr lang="zh-CN" altLang="en-US" dirty="0"/>
-              <a:t>将内存，硬盘当做纸条上的某一部分</a:t>
-            </a:r>
-            <a:endParaRPr lang="en-US" altLang="zh-CN" dirty="0"/>
-          </a:p>
-          <a:p>
-            <a:r>
-              <a:rPr lang="en-US" altLang="zh-CN" dirty="0"/>
-              <a:t>CPU</a:t>
-            </a:r>
-            <a:r>
-              <a:rPr lang="zh-CN" altLang="en-US" dirty="0"/>
-              <a:t>根据指令更改纸条上的状态</a:t>
-            </a:r>
-            <a:endParaRPr lang="en-US" altLang="zh-CN" dirty="0"/>
-          </a:p>
-          <a:p>
-            <a:r>
-              <a:rPr lang="zh-CN" altLang="en-US" dirty="0"/>
-              <a:t>硬件根据纸条上的数据更改执行命令</a:t>
-            </a:r>
-            <a:endParaRPr lang="en-US" altLang="zh-CN" dirty="0"/>
-          </a:p>
-          <a:p>
-            <a:r>
-              <a:rPr lang="zh-CN" altLang="en-US" dirty="0"/>
-              <a:t>操作系统管理纸条的秩序，保证不彼此冲突</a:t>
-            </a:r>
-            <a:endParaRPr lang="en-US" altLang="zh-CN" dirty="0"/>
-          </a:p>
-          <a:p>
-            <a:endParaRPr lang="zh-CN" altLang="en-US" dirty="0"/>
+              <a:t>可计算性理论：什么可以算</a:t>
+            </a:r>
+            <a:endParaRPr lang="en-US" altLang="zh-CN" dirty="0"/>
+          </a:p>
+          <a:p>
+            <a:r>
+              <a:rPr lang="zh-CN" altLang="en-US" dirty="0"/>
+              <a:t>复杂度理论：能算的问题能算多快</a:t>
+            </a:r>
+            <a:endParaRPr lang="en-US" altLang="zh-CN" dirty="0"/>
+          </a:p>
+          <a:p>
+            <a:r>
+              <a:rPr lang="zh-CN" altLang="en-US" dirty="0"/>
+              <a:t>自动机理论：能算的问题怎么算</a:t>
+            </a:r>
+            <a:endParaRPr lang="en-US" altLang="zh-CN" dirty="0"/>
           </a:p>
         </p:txBody>
       </p:sp>
     </p:spTree>
     <p:extLst>
       <p:ext uri="{BB962C8B-B14F-4D97-AF65-F5344CB8AC3E}">
-        <p14:creationId xmlns:p14="http://schemas.microsoft.com/office/powerpoint/2010/main" val="3141500583"/>
+        <p14:creationId xmlns:p14="http://schemas.microsoft.com/office/powerpoint/2010/main" val="4250249964"/>
       </p:ext>
     </p:extLst>
   </p:cSld>
@@ -6587,6 +6631,235 @@
           <p:cNvPr id="2" name="标题 1">
             <a:extLst>
               <a:ext uri="{FF2B5EF4-FFF2-40B4-BE49-F238E27FC236}">
+                <a16:creationId xmlns:a16="http://schemas.microsoft.com/office/drawing/2014/main" id="{51F6C981-BC7D-4E22-9A4A-268F393B7D3B}"/>
+              </a:ext>
+            </a:extLst>
+          </p:cNvPr>
+          <p:cNvSpPr>
+            <a:spLocks noGrp="1"/>
+          </p:cNvSpPr>
+          <p:nvPr>
+            <p:ph type="title"/>
+          </p:nvPr>
+        </p:nvSpPr>
+        <p:spPr/>
+        <p:txBody>
+          <a:bodyPr/>
+          <a:lstStyle/>
+          <a:p>
+            <a:r>
+              <a:rPr lang="zh-CN" altLang="en-US" dirty="0"/>
+              <a:t>图灵机</a:t>
+            </a:r>
+          </a:p>
+        </p:txBody>
+      </p:sp>
+      <p:sp>
+        <p:nvSpPr>
+          <p:cNvPr id="3" name="内容占位符 2">
+            <a:extLst>
+              <a:ext uri="{FF2B5EF4-FFF2-40B4-BE49-F238E27FC236}">
+                <a16:creationId xmlns:a16="http://schemas.microsoft.com/office/drawing/2014/main" id="{C16A1129-015C-4522-A988-1B0CCD955DE4}"/>
+              </a:ext>
+            </a:extLst>
+          </p:cNvPr>
+          <p:cNvSpPr>
+            <a:spLocks noGrp="1"/>
+          </p:cNvSpPr>
+          <p:nvPr>
+            <p:ph idx="1"/>
+          </p:nvPr>
+        </p:nvSpPr>
+        <p:spPr/>
+        <p:txBody>
+          <a:bodyPr/>
+          <a:lstStyle/>
+          <a:p>
+            <a:r>
+              <a:rPr lang="zh-CN" altLang="en-US" dirty="0"/>
+              <a:t>无限长的纸条，控制头根据机器状态和指向位置，执行读写，可以左右移动</a:t>
+            </a:r>
+            <a:endParaRPr lang="en-US" altLang="zh-CN" dirty="0"/>
+          </a:p>
+          <a:p>
+            <a:r>
+              <a:rPr lang="zh-CN" altLang="en-US" dirty="0"/>
+              <a:t>只要一个问题能够计算就有一个图灵机能够计算它</a:t>
+            </a:r>
+            <a:endParaRPr lang="en-US" altLang="zh-CN" dirty="0"/>
+          </a:p>
+          <a:p>
+            <a:r>
+              <a:rPr lang="zh-CN" altLang="en-US" dirty="0"/>
+              <a:t>任何算法都能用图灵机实现</a:t>
+            </a:r>
+            <a:endParaRPr lang="en-US" altLang="zh-CN" dirty="0"/>
+          </a:p>
+          <a:p>
+            <a:r>
+              <a:rPr lang="zh-CN" altLang="en-US" dirty="0"/>
+              <a:t>计算机是图灵机的缩减版，计算机的空间是有限的</a:t>
+            </a:r>
+            <a:endParaRPr lang="en-US" altLang="zh-CN" dirty="0"/>
+          </a:p>
+          <a:p>
+            <a:endParaRPr lang="en-US" altLang="zh-CN" dirty="0"/>
+          </a:p>
+          <a:p>
+            <a:endParaRPr lang="zh-CN" altLang="en-US" dirty="0"/>
+          </a:p>
+        </p:txBody>
+      </p:sp>
+    </p:spTree>
+    <p:extLst>
+      <p:ext uri="{BB962C8B-B14F-4D97-AF65-F5344CB8AC3E}">
+        <p14:creationId xmlns:p14="http://schemas.microsoft.com/office/powerpoint/2010/main" val="2782710356"/>
+      </p:ext>
+    </p:extLst>
+  </p:cSld>
+  <p:clrMapOvr>
+    <a:masterClrMapping/>
+  </p:clrMapOvr>
+</p:sld>
+</file>
+
+<file path=ppt/slides/slide34.xml><?xml version="1.0" encoding="utf-8"?>
+<p:sld xmlns:a="http://schemas.openxmlformats.org/drawingml/2006/main" xmlns:r="http://schemas.openxmlformats.org/officeDocument/2006/relationships" xmlns:p="http://schemas.openxmlformats.org/presentationml/2006/main">
+  <p:cSld>
+    <p:spTree>
+      <p:nvGrpSpPr>
+        <p:cNvPr id="1" name=""/>
+        <p:cNvGrpSpPr/>
+        <p:nvPr/>
+      </p:nvGrpSpPr>
+      <p:grpSpPr>
+        <a:xfrm>
+          <a:off x="0" y="0"/>
+          <a:ext cx="0" cy="0"/>
+          <a:chOff x="0" y="0"/>
+          <a:chExt cx="0" cy="0"/>
+        </a:xfrm>
+      </p:grpSpPr>
+      <p:sp>
+        <p:nvSpPr>
+          <p:cNvPr id="2" name="标题 1">
+            <a:extLst>
+              <a:ext uri="{FF2B5EF4-FFF2-40B4-BE49-F238E27FC236}">
+                <a16:creationId xmlns:a16="http://schemas.microsoft.com/office/drawing/2014/main" id="{13ED52B1-8A01-419A-9730-2F6ADA02A9FF}"/>
+              </a:ext>
+            </a:extLst>
+          </p:cNvPr>
+          <p:cNvSpPr>
+            <a:spLocks noGrp="1"/>
+          </p:cNvSpPr>
+          <p:nvPr>
+            <p:ph type="title"/>
+          </p:nvPr>
+        </p:nvSpPr>
+        <p:spPr/>
+        <p:txBody>
+          <a:bodyPr/>
+          <a:lstStyle/>
+          <a:p>
+            <a:r>
+              <a:rPr lang="zh-CN" altLang="en-US" dirty="0"/>
+              <a:t>字符串观点下的计算机</a:t>
+            </a:r>
+          </a:p>
+        </p:txBody>
+      </p:sp>
+      <p:sp>
+        <p:nvSpPr>
+          <p:cNvPr id="3" name="内容占位符 2">
+            <a:extLst>
+              <a:ext uri="{FF2B5EF4-FFF2-40B4-BE49-F238E27FC236}">
+                <a16:creationId xmlns:a16="http://schemas.microsoft.com/office/drawing/2014/main" id="{BF500792-9114-41F4-B98C-05F853B67C47}"/>
+              </a:ext>
+            </a:extLst>
+          </p:cNvPr>
+          <p:cNvSpPr>
+            <a:spLocks noGrp="1"/>
+          </p:cNvSpPr>
+          <p:nvPr>
+            <p:ph idx="1"/>
+          </p:nvPr>
+        </p:nvSpPr>
+        <p:spPr/>
+        <p:txBody>
+          <a:bodyPr/>
+          <a:lstStyle/>
+          <a:p>
+            <a:r>
+              <a:rPr lang="zh-CN" altLang="en-US" dirty="0"/>
+              <a:t>将内存，硬盘当做纸条上的某一部分</a:t>
+            </a:r>
+            <a:endParaRPr lang="en-US" altLang="zh-CN" dirty="0"/>
+          </a:p>
+          <a:p>
+            <a:r>
+              <a:rPr lang="en-US" altLang="zh-CN" dirty="0"/>
+              <a:t>CPU</a:t>
+            </a:r>
+            <a:r>
+              <a:rPr lang="zh-CN" altLang="en-US" dirty="0"/>
+              <a:t>根据指令更改纸条上的状态</a:t>
+            </a:r>
+            <a:endParaRPr lang="en-US" altLang="zh-CN" dirty="0"/>
+          </a:p>
+          <a:p>
+            <a:r>
+              <a:rPr lang="zh-CN" altLang="en-US" dirty="0"/>
+              <a:t>硬件根据纸条上的数据更改执行命令</a:t>
+            </a:r>
+            <a:endParaRPr lang="en-US" altLang="zh-CN" dirty="0"/>
+          </a:p>
+          <a:p>
+            <a:r>
+              <a:rPr lang="zh-CN" altLang="en-US" dirty="0"/>
+              <a:t>操作系统管理纸条的秩序，保证不彼此冲突</a:t>
+            </a:r>
+            <a:endParaRPr lang="en-US" altLang="zh-CN" dirty="0"/>
+          </a:p>
+          <a:p>
+            <a:endParaRPr lang="zh-CN" altLang="en-US" dirty="0"/>
+          </a:p>
+        </p:txBody>
+      </p:sp>
+    </p:spTree>
+    <p:extLst>
+      <p:ext uri="{BB962C8B-B14F-4D97-AF65-F5344CB8AC3E}">
+        <p14:creationId xmlns:p14="http://schemas.microsoft.com/office/powerpoint/2010/main" val="3141500583"/>
+      </p:ext>
+    </p:extLst>
+  </p:cSld>
+  <p:clrMapOvr>
+    <a:masterClrMapping/>
+  </p:clrMapOvr>
+</p:sld>
+</file>
+
+<file path=ppt/slides/slide35.xml><?xml version="1.0" encoding="utf-8"?>
+<p:sld xmlns:a="http://schemas.openxmlformats.org/drawingml/2006/main" xmlns:r="http://schemas.openxmlformats.org/officeDocument/2006/relationships" xmlns:p="http://schemas.openxmlformats.org/presentationml/2006/main">
+  <p:cSld>
+    <p:spTree>
+      <p:nvGrpSpPr>
+        <p:cNvPr id="1" name=""/>
+        <p:cNvGrpSpPr/>
+        <p:nvPr/>
+      </p:nvGrpSpPr>
+      <p:grpSpPr>
+        <a:xfrm>
+          <a:off x="0" y="0"/>
+          <a:ext cx="0" cy="0"/>
+          <a:chOff x="0" y="0"/>
+          <a:chExt cx="0" cy="0"/>
+        </a:xfrm>
+      </p:grpSpPr>
+      <p:sp>
+        <p:nvSpPr>
+          <p:cNvPr id="2" name="标题 1">
+            <a:extLst>
+              <a:ext uri="{FF2B5EF4-FFF2-40B4-BE49-F238E27FC236}">
                 <a16:creationId xmlns:a16="http://schemas.microsoft.com/office/drawing/2014/main" id="{7B948183-98AB-44A5-899D-0F805C9E92EE}"/>
               </a:ext>
             </a:extLst>
@@ -6672,7 +6945,7 @@
 </p:sld>
 </file>
 
-<file path=ppt/slides/slide34.xml><?xml version="1.0" encoding="utf-8"?>
+<file path=ppt/slides/slide36.xml><?xml version="1.0" encoding="utf-8"?>
 <p:sld xmlns:a="http://schemas.openxmlformats.org/drawingml/2006/main" xmlns:r="http://schemas.openxmlformats.org/officeDocument/2006/relationships" xmlns:p="http://schemas.openxmlformats.org/presentationml/2006/main">
   <p:cSld>
     <p:spTree>
@@ -6779,276 +7052,6 @@
 </p:sld>
 </file>
 
-<file path=ppt/slides/slide35.xml><?xml version="1.0" encoding="utf-8"?>
-<p:sld xmlns:a="http://schemas.openxmlformats.org/drawingml/2006/main" xmlns:r="http://schemas.openxmlformats.org/officeDocument/2006/relationships" xmlns:p="http://schemas.openxmlformats.org/presentationml/2006/main">
-  <p:cSld>
-    <p:spTree>
-      <p:nvGrpSpPr>
-        <p:cNvPr id="1" name=""/>
-        <p:cNvGrpSpPr/>
-        <p:nvPr/>
-      </p:nvGrpSpPr>
-      <p:grpSpPr>
-        <a:xfrm>
-          <a:off x="0" y="0"/>
-          <a:ext cx="0" cy="0"/>
-          <a:chOff x="0" y="0"/>
-          <a:chExt cx="0" cy="0"/>
-        </a:xfrm>
-      </p:grpSpPr>
-      <p:sp>
-        <p:nvSpPr>
-          <p:cNvPr id="2" name="标题 1">
-            <a:extLst>
-              <a:ext uri="{FF2B5EF4-FFF2-40B4-BE49-F238E27FC236}">
-                <a16:creationId xmlns:a16="http://schemas.microsoft.com/office/drawing/2014/main" id="{558BA2B0-BC75-4188-97D9-3945486A4F5F}"/>
-              </a:ext>
-            </a:extLst>
-          </p:cNvPr>
-          <p:cNvSpPr>
-            <a:spLocks noGrp="1"/>
-          </p:cNvSpPr>
-          <p:nvPr>
-            <p:ph type="title"/>
-          </p:nvPr>
-        </p:nvSpPr>
-        <p:spPr/>
-        <p:txBody>
-          <a:bodyPr/>
-          <a:lstStyle/>
-          <a:p>
-            <a:r>
-              <a:rPr lang="zh-CN" altLang="en-US" dirty="0"/>
-              <a:t>有穷自动机</a:t>
-            </a:r>
-          </a:p>
-        </p:txBody>
-      </p:sp>
-      <p:sp>
-        <p:nvSpPr>
-          <p:cNvPr id="3" name="内容占位符 2">
-            <a:extLst>
-              <a:ext uri="{FF2B5EF4-FFF2-40B4-BE49-F238E27FC236}">
-                <a16:creationId xmlns:a16="http://schemas.microsoft.com/office/drawing/2014/main" id="{59A9BBB8-46DE-4021-9B73-CDC8F9158B30}"/>
-              </a:ext>
-            </a:extLst>
-          </p:cNvPr>
-          <p:cNvSpPr>
-            <a:spLocks noGrp="1"/>
-          </p:cNvSpPr>
-          <p:nvPr>
-            <p:ph idx="1"/>
-          </p:nvPr>
-        </p:nvSpPr>
-        <p:spPr/>
-        <p:txBody>
-          <a:bodyPr/>
-          <a:lstStyle/>
-          <a:p>
-            <a:r>
-              <a:rPr lang="zh-CN" altLang="en-US" dirty="0"/>
-              <a:t>状态和跳转表，一个起始状态，若干个接受状态</a:t>
-            </a:r>
-            <a:endParaRPr lang="en-US" altLang="zh-CN" dirty="0"/>
-          </a:p>
-          <a:p>
-            <a:r>
-              <a:rPr lang="zh-CN" altLang="en-US" dirty="0"/>
-              <a:t>根据状态和输入字符跳转，停在接受状态就符合语言</a:t>
-            </a:r>
-            <a:endParaRPr lang="en-US" altLang="zh-CN" dirty="0"/>
-          </a:p>
-          <a:p>
-            <a:r>
-              <a:rPr lang="zh-CN" altLang="en-US" dirty="0"/>
-              <a:t>有穷的状态</a:t>
-            </a:r>
-            <a:endParaRPr lang="en-US" altLang="zh-CN" dirty="0"/>
-          </a:p>
-          <a:p>
-            <a:r>
-              <a:rPr lang="zh-CN" altLang="en-US" dirty="0"/>
-              <a:t>解决正则语言</a:t>
-            </a:r>
-            <a:endParaRPr lang="en-US" altLang="zh-CN" dirty="0"/>
-          </a:p>
-          <a:p>
-            <a:r>
-              <a:rPr lang="zh-CN" altLang="en-US" dirty="0"/>
-              <a:t>正则语言包含并，连接和星号（</a:t>
-            </a:r>
-            <a:r>
-              <a:rPr lang="en-US" altLang="zh-CN" dirty="0"/>
-              <a:t>0</a:t>
-            </a:r>
-            <a:r>
-              <a:rPr lang="zh-CN" altLang="en-US" dirty="0"/>
-              <a:t>个或多个重复）</a:t>
-            </a:r>
-            <a:endParaRPr lang="en-US" altLang="zh-CN" dirty="0"/>
-          </a:p>
-          <a:p>
-            <a:endParaRPr lang="en-US" altLang="zh-CN" dirty="0"/>
-          </a:p>
-          <a:p>
-            <a:r>
-              <a:rPr lang="en-US" altLang="zh-CN" dirty="0"/>
-              <a:t>0, 01, 0 | 1,</a:t>
-            </a:r>
-            <a:r>
-              <a:rPr lang="zh-CN" altLang="en-US" dirty="0"/>
-              <a:t> </a:t>
-            </a:r>
-            <a:r>
-              <a:rPr lang="en-US" altLang="zh-CN" dirty="0"/>
-              <a:t>0*, 11(0*)</a:t>
-            </a:r>
-          </a:p>
-          <a:p>
-            <a:r>
-              <a:rPr lang="zh-CN" altLang="en-US" dirty="0"/>
-              <a:t>倒数第三个字符是</a:t>
-            </a:r>
-            <a:r>
-              <a:rPr lang="en-US" altLang="zh-CN" dirty="0"/>
-              <a:t>1</a:t>
-            </a:r>
-            <a:r>
-              <a:rPr lang="zh-CN" altLang="en-US" dirty="0"/>
-              <a:t>，包含</a:t>
-            </a:r>
-            <a:r>
-              <a:rPr lang="en-US" altLang="zh-CN" dirty="0"/>
-              <a:t>001</a:t>
-            </a:r>
-            <a:endParaRPr lang="zh-CN" altLang="en-US" dirty="0"/>
-          </a:p>
-        </p:txBody>
-      </p:sp>
-    </p:spTree>
-    <p:extLst>
-      <p:ext uri="{BB962C8B-B14F-4D97-AF65-F5344CB8AC3E}">
-        <p14:creationId xmlns:p14="http://schemas.microsoft.com/office/powerpoint/2010/main" val="2140935072"/>
-      </p:ext>
-    </p:extLst>
-  </p:cSld>
-  <p:clrMapOvr>
-    <a:masterClrMapping/>
-  </p:clrMapOvr>
-</p:sld>
-</file>
-
-<file path=ppt/slides/slide36.xml><?xml version="1.0" encoding="utf-8"?>
-<p:sld xmlns:a="http://schemas.openxmlformats.org/drawingml/2006/main" xmlns:r="http://schemas.openxmlformats.org/officeDocument/2006/relationships" xmlns:p="http://schemas.openxmlformats.org/presentationml/2006/main">
-  <p:cSld>
-    <p:spTree>
-      <p:nvGrpSpPr>
-        <p:cNvPr id="1" name=""/>
-        <p:cNvGrpSpPr/>
-        <p:nvPr/>
-      </p:nvGrpSpPr>
-      <p:grpSpPr>
-        <a:xfrm>
-          <a:off x="0" y="0"/>
-          <a:ext cx="0" cy="0"/>
-          <a:chOff x="0" y="0"/>
-          <a:chExt cx="0" cy="0"/>
-        </a:xfrm>
-      </p:grpSpPr>
-      <p:sp>
-        <p:nvSpPr>
-          <p:cNvPr id="2" name="标题 1">
-            <a:extLst>
-              <a:ext uri="{FF2B5EF4-FFF2-40B4-BE49-F238E27FC236}">
-                <a16:creationId xmlns:a16="http://schemas.microsoft.com/office/drawing/2014/main" id="{456E3F29-6723-449F-8DD3-059B8F6E7CBF}"/>
-              </a:ext>
-            </a:extLst>
-          </p:cNvPr>
-          <p:cNvSpPr>
-            <a:spLocks noGrp="1"/>
-          </p:cNvSpPr>
-          <p:nvPr>
-            <p:ph type="title"/>
-          </p:nvPr>
-        </p:nvSpPr>
-        <p:spPr/>
-        <p:txBody>
-          <a:bodyPr/>
-          <a:lstStyle/>
-          <a:p>
-            <a:r>
-              <a:rPr lang="zh-CN" altLang="en-US" dirty="0"/>
-              <a:t>下推自动机</a:t>
-            </a:r>
-          </a:p>
-        </p:txBody>
-      </p:sp>
-      <p:sp>
-        <p:nvSpPr>
-          <p:cNvPr id="3" name="内容占位符 2">
-            <a:extLst>
-              <a:ext uri="{FF2B5EF4-FFF2-40B4-BE49-F238E27FC236}">
-                <a16:creationId xmlns:a16="http://schemas.microsoft.com/office/drawing/2014/main" id="{C8EA29F2-063B-4DE9-AE1D-B1DB9EC6378F}"/>
-              </a:ext>
-            </a:extLst>
-          </p:cNvPr>
-          <p:cNvSpPr>
-            <a:spLocks noGrp="1"/>
-          </p:cNvSpPr>
-          <p:nvPr>
-            <p:ph idx="1"/>
-          </p:nvPr>
-        </p:nvSpPr>
-        <p:spPr/>
-        <p:txBody>
-          <a:bodyPr/>
-          <a:lstStyle/>
-          <a:p>
-            <a:r>
-              <a:rPr lang="zh-CN" altLang="en-US" dirty="0"/>
-              <a:t>有一个栈</a:t>
-            </a:r>
-            <a:endParaRPr lang="en-US" altLang="zh-CN" dirty="0"/>
-          </a:p>
-          <a:p>
-            <a:r>
-              <a:rPr lang="zh-CN" altLang="en-US" dirty="0"/>
-              <a:t>根据栈顶状态和读入字符决定</a:t>
-            </a:r>
-            <a:endParaRPr lang="en-US" altLang="zh-CN" dirty="0"/>
-          </a:p>
-          <a:p>
-            <a:r>
-              <a:rPr lang="zh-CN" altLang="en-US" dirty="0"/>
-              <a:t>解决上下文无关文法</a:t>
-            </a:r>
-            <a:endParaRPr lang="en-US" altLang="zh-CN" dirty="0"/>
-          </a:p>
-          <a:p>
-            <a:r>
-              <a:rPr lang="zh-CN" altLang="en-US" dirty="0"/>
-              <a:t>编译</a:t>
-            </a:r>
-            <a:endParaRPr lang="en-US" altLang="zh-CN" dirty="0"/>
-          </a:p>
-          <a:p>
-            <a:endParaRPr lang="zh-CN" altLang="en-US" dirty="0"/>
-          </a:p>
-        </p:txBody>
-      </p:sp>
-    </p:spTree>
-    <p:extLst>
-      <p:ext uri="{BB962C8B-B14F-4D97-AF65-F5344CB8AC3E}">
-        <p14:creationId xmlns:p14="http://schemas.microsoft.com/office/powerpoint/2010/main" val="1596090160"/>
-      </p:ext>
-    </p:extLst>
-  </p:cSld>
-  <p:clrMapOvr>
-    <a:masterClrMapping/>
-  </p:clrMapOvr>
-</p:sld>
-</file>
-
 <file path=ppt/slides/slide37.xml><?xml version="1.0" encoding="utf-8"?>
 <p:sld xmlns:a="http://schemas.openxmlformats.org/drawingml/2006/main" xmlns:r="http://schemas.openxmlformats.org/officeDocument/2006/relationships" xmlns:p="http://schemas.openxmlformats.org/presentationml/2006/main">
   <p:cSld>
@@ -7071,6 +7074,578 @@
           <p:cNvPr id="2" name="标题 1">
             <a:extLst>
               <a:ext uri="{FF2B5EF4-FFF2-40B4-BE49-F238E27FC236}">
+                <a16:creationId xmlns:a16="http://schemas.microsoft.com/office/drawing/2014/main" id="{558BA2B0-BC75-4188-97D9-3945486A4F5F}"/>
+              </a:ext>
+            </a:extLst>
+          </p:cNvPr>
+          <p:cNvSpPr>
+            <a:spLocks noGrp="1"/>
+          </p:cNvSpPr>
+          <p:nvPr>
+            <p:ph type="title"/>
+          </p:nvPr>
+        </p:nvSpPr>
+        <p:spPr/>
+        <p:txBody>
+          <a:bodyPr/>
+          <a:lstStyle/>
+          <a:p>
+            <a:r>
+              <a:rPr lang="zh-CN" altLang="en-US" dirty="0"/>
+              <a:t>有穷自动机</a:t>
+            </a:r>
+          </a:p>
+        </p:txBody>
+      </p:sp>
+      <mc:AlternateContent xmlns:mc="http://schemas.openxmlformats.org/markup-compatibility/2006">
+        <mc:Choice xmlns:a14="http://schemas.microsoft.com/office/drawing/2010/main" Requires="a14">
+          <p:sp>
+            <p:nvSpPr>
+              <p:cNvPr id="3" name="内容占位符 2">
+                <a:extLst>
+                  <a:ext uri="{FF2B5EF4-FFF2-40B4-BE49-F238E27FC236}">
+                    <a16:creationId xmlns:a16="http://schemas.microsoft.com/office/drawing/2014/main" id="{59A9BBB8-46DE-4021-9B73-CDC8F9158B30}"/>
+                  </a:ext>
+                </a:extLst>
+              </p:cNvPr>
+              <p:cNvSpPr>
+                <a:spLocks noGrp="1"/>
+              </p:cNvSpPr>
+              <p:nvPr>
+                <p:ph idx="1"/>
+              </p:nvPr>
+            </p:nvSpPr>
+            <p:spPr/>
+            <p:txBody>
+              <a:bodyPr>
+                <a:normAutofit lnSpcReduction="10000"/>
+              </a:bodyPr>
+              <a:lstStyle/>
+              <a:p>
+                <a:r>
+                  <a:rPr lang="zh-CN" altLang="en-US" dirty="0"/>
+                  <a:t>状态和跳转表，一个起始状态，若干个接受状态</a:t>
+                </a:r>
+                <a:endParaRPr lang="en-US" altLang="zh-CN" dirty="0"/>
+              </a:p>
+              <a:p>
+                <a:r>
+                  <a:rPr lang="zh-CN" altLang="en-US" dirty="0"/>
+                  <a:t>根据状态和输入字符跳转，停在接受状态就符合语言</a:t>
+                </a:r>
+                <a:endParaRPr lang="en-US" altLang="zh-CN" dirty="0"/>
+              </a:p>
+              <a:p>
+                <a:r>
+                  <a:rPr lang="zh-CN" altLang="en-US" dirty="0"/>
+                  <a:t>有穷的状态</a:t>
+                </a:r>
+                <a:endParaRPr lang="en-US" altLang="zh-CN" dirty="0"/>
+              </a:p>
+              <a:p>
+                <a:r>
+                  <a:rPr lang="zh-CN" altLang="en-US" dirty="0"/>
+                  <a:t>解决正则语言</a:t>
+                </a:r>
+                <a:endParaRPr lang="en-US" altLang="zh-CN" dirty="0"/>
+              </a:p>
+              <a:p>
+                <a:r>
+                  <a:rPr lang="zh-CN" altLang="en-US" dirty="0"/>
+                  <a:t>正则语言包含并，连接和星号（</a:t>
+                </a:r>
+                <a:r>
+                  <a:rPr lang="en-US" altLang="zh-CN" dirty="0"/>
+                  <a:t>0</a:t>
+                </a:r>
+                <a:r>
+                  <a:rPr lang="zh-CN" altLang="en-US" dirty="0"/>
+                  <a:t>个或多个重复），</a:t>
+                </a:r>
+                <a:r>
+                  <a:rPr lang="en-US" altLang="zh-CN" dirty="0"/>
+                  <a:t>P39</a:t>
+                </a:r>
+              </a:p>
+              <a:p>
+                <a:endParaRPr lang="en-US" altLang="zh-CN" dirty="0"/>
+              </a:p>
+              <a:p>
+                <a:r>
+                  <a:rPr lang="en-US" altLang="zh-CN" dirty="0"/>
+                  <a:t>0, 01, 0 | 1,</a:t>
+                </a:r>
+                <a:r>
+                  <a:rPr lang="zh-CN" altLang="en-US" dirty="0"/>
+                  <a:t> </a:t>
+                </a:r>
+                <a:r>
+                  <a:rPr lang="en-US" altLang="zh-CN" dirty="0"/>
+                  <a:t>0*, 11(0*)</a:t>
+                </a:r>
+              </a:p>
+              <a:p>
+                <a:r>
+                  <a:rPr lang="zh-CN" altLang="en-US" dirty="0"/>
+                  <a:t>倒数第三个字符是</a:t>
+                </a:r>
+                <a:r>
+                  <a:rPr lang="en-US" altLang="zh-CN" dirty="0"/>
+                  <a:t>1</a:t>
+                </a:r>
+                <a:r>
+                  <a:rPr lang="zh-CN" altLang="en-US" dirty="0"/>
+                  <a:t>，包含</a:t>
+                </a:r>
+                <a:r>
+                  <a:rPr lang="en-US" altLang="zh-CN" dirty="0"/>
+                  <a:t>001</a:t>
+                </a:r>
+              </a:p>
+              <a:p>
+                <a14:m>
+                  <m:oMath xmlns:m="http://schemas.openxmlformats.org/officeDocument/2006/math">
+                    <m:sSup>
+                      <m:sSupPr>
+                        <m:ctrlPr>
+                          <a:rPr lang="en-US" altLang="zh-CN" i="1">
+                            <a:latin typeface="Cambria Math" panose="02040503050406030204" pitchFamily="18" charset="0"/>
+                          </a:rPr>
+                        </m:ctrlPr>
+                      </m:sSupPr>
+                      <m:e>
+                        <m:r>
+                          <a:rPr lang="en-US" altLang="zh-CN" i="1">
+                            <a:latin typeface="Cambria Math" panose="02040503050406030204" pitchFamily="18" charset="0"/>
+                          </a:rPr>
+                          <m:t>0</m:t>
+                        </m:r>
+                      </m:e>
+                      <m:sup>
+                        <m:r>
+                          <a:rPr lang="en-US" altLang="zh-CN" i="1">
+                            <a:latin typeface="Cambria Math" panose="02040503050406030204" pitchFamily="18" charset="0"/>
+                          </a:rPr>
+                          <m:t>𝑛</m:t>
+                        </m:r>
+                      </m:sup>
+                    </m:sSup>
+                    <m:sSup>
+                      <m:sSupPr>
+                        <m:ctrlPr>
+                          <a:rPr lang="en-US" altLang="zh-CN" i="1">
+                            <a:latin typeface="Cambria Math" panose="02040503050406030204" pitchFamily="18" charset="0"/>
+                          </a:rPr>
+                        </m:ctrlPr>
+                      </m:sSupPr>
+                      <m:e>
+                        <m:r>
+                          <a:rPr lang="en-US" altLang="zh-CN" i="1">
+                            <a:latin typeface="Cambria Math" panose="02040503050406030204" pitchFamily="18" charset="0"/>
+                          </a:rPr>
+                          <m:t>1</m:t>
+                        </m:r>
+                      </m:e>
+                      <m:sup>
+                        <m:r>
+                          <a:rPr lang="en-US" altLang="zh-CN" i="1">
+                            <a:latin typeface="Cambria Math" panose="02040503050406030204" pitchFamily="18" charset="0"/>
+                          </a:rPr>
+                          <m:t>𝑛</m:t>
+                        </m:r>
+                      </m:sup>
+                    </m:sSup>
+                  </m:oMath>
+                </a14:m>
+                <a:endParaRPr lang="zh-CN" altLang="en-US" dirty="0"/>
+              </a:p>
+            </p:txBody>
+          </p:sp>
+        </mc:Choice>
+        <mc:Fallback>
+          <p:sp>
+            <p:nvSpPr>
+              <p:cNvPr id="3" name="内容占位符 2">
+                <a:extLst>
+                  <a:ext uri="{FF2B5EF4-FFF2-40B4-BE49-F238E27FC236}">
+                    <a16:creationId xmlns:a16="http://schemas.microsoft.com/office/drawing/2014/main" id="{59A9BBB8-46DE-4021-9B73-CDC8F9158B30}"/>
+                  </a:ext>
+                </a:extLst>
+              </p:cNvPr>
+              <p:cNvSpPr>
+                <a:spLocks noGrp="1" noRot="1" noChangeAspect="1" noMove="1" noResize="1" noEditPoints="1" noAdjustHandles="1" noChangeArrowheads="1" noChangeShapeType="1" noTextEdit="1"/>
+              </p:cNvSpPr>
+              <p:nvPr>
+                <p:ph idx="1"/>
+              </p:nvPr>
+            </p:nvSpPr>
+            <p:spPr>
+              <a:blipFill>
+                <a:blip r:embed="rId2"/>
+                <a:stretch>
+                  <a:fillRect l="-1043" t="-3922"/>
+                </a:stretch>
+              </a:blipFill>
+            </p:spPr>
+            <p:txBody>
+              <a:bodyPr/>
+              <a:lstStyle/>
+              <a:p>
+                <a:r>
+                  <a:rPr lang="zh-CN" altLang="en-US">
+                    <a:noFill/>
+                  </a:rPr>
+                  <a:t> </a:t>
+                </a:r>
+              </a:p>
+            </p:txBody>
+          </p:sp>
+        </mc:Fallback>
+      </mc:AlternateContent>
+    </p:spTree>
+    <p:extLst>
+      <p:ext uri="{BB962C8B-B14F-4D97-AF65-F5344CB8AC3E}">
+        <p14:creationId xmlns:p14="http://schemas.microsoft.com/office/powerpoint/2010/main" val="2140935072"/>
+      </p:ext>
+    </p:extLst>
+  </p:cSld>
+  <p:clrMapOvr>
+    <a:masterClrMapping/>
+  </p:clrMapOvr>
+</p:sld>
+</file>
+
+<file path=ppt/slides/slide38.xml><?xml version="1.0" encoding="utf-8"?>
+<p:sld xmlns:a="http://schemas.openxmlformats.org/drawingml/2006/main" xmlns:r="http://schemas.openxmlformats.org/officeDocument/2006/relationships" xmlns:p="http://schemas.openxmlformats.org/presentationml/2006/main">
+  <p:cSld>
+    <p:spTree>
+      <p:nvGrpSpPr>
+        <p:cNvPr id="1" name=""/>
+        <p:cNvGrpSpPr/>
+        <p:nvPr/>
+      </p:nvGrpSpPr>
+      <p:grpSpPr>
+        <a:xfrm>
+          <a:off x="0" y="0"/>
+          <a:ext cx="0" cy="0"/>
+          <a:chOff x="0" y="0"/>
+          <a:chExt cx="0" cy="0"/>
+        </a:xfrm>
+      </p:grpSpPr>
+      <p:sp>
+        <p:nvSpPr>
+          <p:cNvPr id="2" name="标题 1">
+            <a:extLst>
+              <a:ext uri="{FF2B5EF4-FFF2-40B4-BE49-F238E27FC236}">
+                <a16:creationId xmlns:a16="http://schemas.microsoft.com/office/drawing/2014/main" id="{456E3F29-6723-449F-8DD3-059B8F6E7CBF}"/>
+              </a:ext>
+            </a:extLst>
+          </p:cNvPr>
+          <p:cNvSpPr>
+            <a:spLocks noGrp="1"/>
+          </p:cNvSpPr>
+          <p:nvPr>
+            <p:ph type="title"/>
+          </p:nvPr>
+        </p:nvSpPr>
+        <p:spPr/>
+        <p:txBody>
+          <a:bodyPr/>
+          <a:lstStyle/>
+          <a:p>
+            <a:r>
+              <a:rPr lang="zh-CN" altLang="en-US" dirty="0"/>
+              <a:t>下推自动机</a:t>
+            </a:r>
+          </a:p>
+        </p:txBody>
+      </p:sp>
+      <mc:AlternateContent xmlns:mc="http://schemas.openxmlformats.org/markup-compatibility/2006">
+        <mc:Choice xmlns:a14="http://schemas.microsoft.com/office/drawing/2010/main" Requires="a14">
+          <p:sp>
+            <p:nvSpPr>
+              <p:cNvPr id="3" name="内容占位符 2">
+                <a:extLst>
+                  <a:ext uri="{FF2B5EF4-FFF2-40B4-BE49-F238E27FC236}">
+                    <a16:creationId xmlns:a16="http://schemas.microsoft.com/office/drawing/2014/main" id="{C8EA29F2-063B-4DE9-AE1D-B1DB9EC6378F}"/>
+                  </a:ext>
+                </a:extLst>
+              </p:cNvPr>
+              <p:cNvSpPr>
+                <a:spLocks noGrp="1"/>
+              </p:cNvSpPr>
+              <p:nvPr>
+                <p:ph idx="1"/>
+              </p:nvPr>
+            </p:nvSpPr>
+            <p:spPr/>
+            <p:txBody>
+              <a:bodyPr/>
+              <a:lstStyle/>
+              <a:p>
+                <a:r>
+                  <a:rPr lang="zh-CN" altLang="en-US" dirty="0"/>
+                  <a:t>有一个栈</a:t>
+                </a:r>
+                <a:endParaRPr lang="en-US" altLang="zh-CN" dirty="0"/>
+              </a:p>
+              <a:p>
+                <a:r>
+                  <a:rPr lang="zh-CN" altLang="en-US" dirty="0"/>
+                  <a:t>根据栈顶状态和读入字符决定</a:t>
+                </a:r>
+                <a:endParaRPr lang="en-US" altLang="zh-CN" dirty="0"/>
+              </a:p>
+              <a:p>
+                <a:r>
+                  <a:rPr lang="zh-CN" altLang="en-US" dirty="0"/>
+                  <a:t>解决上下文无关文法，编程语言属于</a:t>
+                </a:r>
+                <a:r>
+                  <a:rPr lang="en-US" altLang="zh-CN" dirty="0"/>
+                  <a:t>CFG</a:t>
+                </a:r>
+              </a:p>
+              <a:p>
+                <a:r>
+                  <a:rPr lang="zh-CN" altLang="en-US" dirty="0"/>
+                  <a:t>编译，利用下推自动机能够解析和判定编程语言</a:t>
+                </a:r>
+                <a:endParaRPr lang="en-US" altLang="zh-CN" dirty="0"/>
+              </a:p>
+              <a:p>
+                <a:r>
+                  <a:rPr lang="zh-CN" altLang="en-US" dirty="0"/>
+                  <a:t>语法规则中能够出现自己</a:t>
+                </a:r>
+                <a:endParaRPr lang="en-US" altLang="zh-CN" dirty="0"/>
+              </a:p>
+              <a:p>
+                <a:endParaRPr lang="en-US" altLang="zh-CN" dirty="0"/>
+              </a:p>
+              <a:p>
+                <a14:m>
+                  <m:oMath xmlns:m="http://schemas.openxmlformats.org/officeDocument/2006/math">
+                    <m:sSup>
+                      <m:sSupPr>
+                        <m:ctrlPr>
+                          <a:rPr lang="en-US" altLang="zh-CN" i="1">
+                            <a:latin typeface="Cambria Math" panose="02040503050406030204" pitchFamily="18" charset="0"/>
+                          </a:rPr>
+                        </m:ctrlPr>
+                      </m:sSupPr>
+                      <m:e>
+                        <m:r>
+                          <a:rPr lang="en-US" altLang="zh-CN" i="1">
+                            <a:latin typeface="Cambria Math" panose="02040503050406030204" pitchFamily="18" charset="0"/>
+                          </a:rPr>
+                          <m:t>0</m:t>
+                        </m:r>
+                      </m:e>
+                      <m:sup>
+                        <m:r>
+                          <a:rPr lang="en-US" altLang="zh-CN" i="1">
+                            <a:latin typeface="Cambria Math" panose="02040503050406030204" pitchFamily="18" charset="0"/>
+                          </a:rPr>
+                          <m:t>𝑛</m:t>
+                        </m:r>
+                      </m:sup>
+                    </m:sSup>
+                    <m:sSup>
+                      <m:sSupPr>
+                        <m:ctrlPr>
+                          <a:rPr lang="en-US" altLang="zh-CN" i="1">
+                            <a:latin typeface="Cambria Math" panose="02040503050406030204" pitchFamily="18" charset="0"/>
+                          </a:rPr>
+                        </m:ctrlPr>
+                      </m:sSupPr>
+                      <m:e>
+                        <m:r>
+                          <a:rPr lang="en-US" altLang="zh-CN" i="1">
+                            <a:latin typeface="Cambria Math" panose="02040503050406030204" pitchFamily="18" charset="0"/>
+                          </a:rPr>
+                          <m:t>1</m:t>
+                        </m:r>
+                      </m:e>
+                      <m:sup>
+                        <m:r>
+                          <a:rPr lang="en-US" altLang="zh-CN" i="1">
+                            <a:latin typeface="Cambria Math" panose="02040503050406030204" pitchFamily="18" charset="0"/>
+                          </a:rPr>
+                          <m:t>𝑛</m:t>
+                        </m:r>
+                      </m:sup>
+                    </m:sSup>
+                  </m:oMath>
+                </a14:m>
+                <a:endParaRPr lang="en-US" altLang="zh-CN" dirty="0"/>
+              </a:p>
+              <a:p>
+                <a14:m>
+                  <m:oMath xmlns:m="http://schemas.openxmlformats.org/officeDocument/2006/math">
+                    <m:sSup>
+                      <m:sSupPr>
+                        <m:ctrlPr>
+                          <a:rPr lang="en-US" altLang="zh-CN" i="1">
+                            <a:latin typeface="Cambria Math" panose="02040503050406030204" pitchFamily="18" charset="0"/>
+                          </a:rPr>
+                        </m:ctrlPr>
+                      </m:sSupPr>
+                      <m:e>
+                        <m:r>
+                          <a:rPr lang="en-US" altLang="zh-CN" i="1">
+                            <a:latin typeface="Cambria Math" panose="02040503050406030204" pitchFamily="18" charset="0"/>
+                          </a:rPr>
+                          <m:t>0</m:t>
+                        </m:r>
+                      </m:e>
+                      <m:sup>
+                        <m:r>
+                          <a:rPr lang="en-US" altLang="zh-CN" i="1">
+                            <a:latin typeface="Cambria Math" panose="02040503050406030204" pitchFamily="18" charset="0"/>
+                          </a:rPr>
+                          <m:t>𝑛</m:t>
+                        </m:r>
+                      </m:sup>
+                    </m:sSup>
+                    <m:sSup>
+                      <m:sSupPr>
+                        <m:ctrlPr>
+                          <a:rPr lang="en-US" altLang="zh-CN" i="1">
+                            <a:latin typeface="Cambria Math" panose="02040503050406030204" pitchFamily="18" charset="0"/>
+                          </a:rPr>
+                        </m:ctrlPr>
+                      </m:sSupPr>
+                      <m:e>
+                        <m:r>
+                          <a:rPr lang="en-US" altLang="zh-CN" i="1">
+                            <a:latin typeface="Cambria Math" panose="02040503050406030204" pitchFamily="18" charset="0"/>
+                          </a:rPr>
+                          <m:t>1</m:t>
+                        </m:r>
+                      </m:e>
+                      <m:sup>
+                        <m:r>
+                          <a:rPr lang="en-US" altLang="zh-CN" i="1">
+                            <a:latin typeface="Cambria Math" panose="02040503050406030204" pitchFamily="18" charset="0"/>
+                          </a:rPr>
+                          <m:t>𝑛</m:t>
+                        </m:r>
+                      </m:sup>
+                    </m:sSup>
+                    <m:sSup>
+                      <m:sSupPr>
+                        <m:ctrlPr>
+                          <a:rPr lang="en-US" altLang="zh-CN" b="0" i="1" smtClean="0">
+                            <a:latin typeface="Cambria Math" panose="02040503050406030204" pitchFamily="18" charset="0"/>
+                          </a:rPr>
+                        </m:ctrlPr>
+                      </m:sSupPr>
+                      <m:e>
+                        <m:r>
+                          <a:rPr lang="en-US" altLang="zh-CN" b="0" i="1" smtClean="0">
+                            <a:latin typeface="Cambria Math" panose="02040503050406030204" pitchFamily="18" charset="0"/>
+                          </a:rPr>
+                          <m:t>2</m:t>
+                        </m:r>
+                      </m:e>
+                      <m:sup>
+                        <m:r>
+                          <a:rPr lang="en-US" altLang="zh-CN" b="0" i="1" smtClean="0">
+                            <a:latin typeface="Cambria Math" panose="02040503050406030204" pitchFamily="18" charset="0"/>
+                          </a:rPr>
+                          <m:t>𝑛</m:t>
+                        </m:r>
+                      </m:sup>
+                    </m:sSup>
+                  </m:oMath>
+                </a14:m>
+                <a:endParaRPr lang="en-US" altLang="zh-CN" dirty="0"/>
+              </a:p>
+              <a:p>
+                <a:endParaRPr lang="en-US" altLang="zh-CN" dirty="0"/>
+              </a:p>
+              <a:p>
+                <a:endParaRPr lang="zh-CN" altLang="en-US" dirty="0"/>
+              </a:p>
+            </p:txBody>
+          </p:sp>
+        </mc:Choice>
+        <mc:Fallback>
+          <p:sp>
+            <p:nvSpPr>
+              <p:cNvPr id="3" name="内容占位符 2">
+                <a:extLst>
+                  <a:ext uri="{FF2B5EF4-FFF2-40B4-BE49-F238E27FC236}">
+                    <a16:creationId xmlns:a16="http://schemas.microsoft.com/office/drawing/2014/main" id="{C8EA29F2-063B-4DE9-AE1D-B1DB9EC6378F}"/>
+                  </a:ext>
+                </a:extLst>
+              </p:cNvPr>
+              <p:cNvSpPr>
+                <a:spLocks noGrp="1" noRot="1" noChangeAspect="1" noMove="1" noResize="1" noEditPoints="1" noAdjustHandles="1" noChangeArrowheads="1" noChangeShapeType="1" noTextEdit="1"/>
+              </p:cNvSpPr>
+              <p:nvPr>
+                <p:ph idx="1"/>
+              </p:nvPr>
+            </p:nvSpPr>
+            <p:spPr>
+              <a:blipFill>
+                <a:blip r:embed="rId2"/>
+                <a:stretch>
+                  <a:fillRect l="-1043" t="-2941"/>
+                </a:stretch>
+              </a:blipFill>
+            </p:spPr>
+            <p:txBody>
+              <a:bodyPr/>
+              <a:lstStyle/>
+              <a:p>
+                <a:r>
+                  <a:rPr lang="zh-CN" altLang="en-US">
+                    <a:noFill/>
+                  </a:rPr>
+                  <a:t> </a:t>
+                </a:r>
+              </a:p>
+            </p:txBody>
+          </p:sp>
+        </mc:Fallback>
+      </mc:AlternateContent>
+    </p:spTree>
+    <p:extLst>
+      <p:ext uri="{BB962C8B-B14F-4D97-AF65-F5344CB8AC3E}">
+        <p14:creationId xmlns:p14="http://schemas.microsoft.com/office/powerpoint/2010/main" val="1596090160"/>
+      </p:ext>
+    </p:extLst>
+  </p:cSld>
+  <p:clrMapOvr>
+    <a:masterClrMapping/>
+  </p:clrMapOvr>
+</p:sld>
+</file>
+
+<file path=ppt/slides/slide39.xml><?xml version="1.0" encoding="utf-8"?>
+<p:sld xmlns:a="http://schemas.openxmlformats.org/drawingml/2006/main" xmlns:r="http://schemas.openxmlformats.org/officeDocument/2006/relationships" xmlns:p="http://schemas.openxmlformats.org/presentationml/2006/main">
+  <p:cSld>
+    <p:spTree>
+      <p:nvGrpSpPr>
+        <p:cNvPr id="1" name=""/>
+        <p:cNvGrpSpPr/>
+        <p:nvPr/>
+      </p:nvGrpSpPr>
+      <p:grpSpPr>
+        <a:xfrm>
+          <a:off x="0" y="0"/>
+          <a:ext cx="0" cy="0"/>
+          <a:chOff x="0" y="0"/>
+          <a:chExt cx="0" cy="0"/>
+        </a:xfrm>
+      </p:grpSpPr>
+      <p:sp>
+        <p:nvSpPr>
+          <p:cNvPr id="2" name="标题 1">
+            <a:extLst>
+              <a:ext uri="{FF2B5EF4-FFF2-40B4-BE49-F238E27FC236}">
                 <a16:creationId xmlns:a16="http://schemas.microsoft.com/office/drawing/2014/main" id="{1843CF0B-F51A-4FC0-8F08-1ED6C4199BB9}"/>
               </a:ext>
             </a:extLst>
@@ -7089,7 +7664,7 @@
           <a:p>
             <a:r>
               <a:rPr lang="zh-CN" altLang="en-US" dirty="0"/>
-              <a:t>图灵机</a:t>
+              <a:t>编程语言与自然语言</a:t>
             </a:r>
           </a:p>
         </p:txBody>
@@ -7117,19 +7692,47 @@
           <a:p>
             <a:r>
               <a:rPr lang="zh-CN" altLang="en-US" dirty="0"/>
-              <a:t>根据控制头下字符和机器状态选择左右移动和写入</a:t>
-            </a:r>
-            <a:endParaRPr lang="en-US" altLang="zh-CN" dirty="0"/>
-          </a:p>
-          <a:p>
-            <a:r>
-              <a:rPr lang="zh-CN" altLang="en-US" dirty="0"/>
-              <a:t>空间无限大（实际为内存）</a:t>
-            </a:r>
-            <a:endParaRPr lang="en-US" altLang="zh-CN" dirty="0"/>
-          </a:p>
-          <a:p>
-            <a:endParaRPr lang="zh-CN" altLang="en-US" dirty="0"/>
+              <a:t>编程语言设计精巧，能够在线性时间内解析，因为它属于</a:t>
+            </a:r>
+            <a:r>
+              <a:rPr lang="en-US" altLang="zh-CN" dirty="0"/>
+              <a:t>CFG</a:t>
+            </a:r>
+          </a:p>
+          <a:p>
+            <a:r>
+              <a:rPr lang="zh-CN" altLang="en-US" dirty="0"/>
+              <a:t>自然语言为了方便人类使用，需要用上下文，比较难解析</a:t>
+            </a:r>
+            <a:endParaRPr lang="en-US" altLang="zh-CN" dirty="0"/>
+          </a:p>
+          <a:p>
+            <a:r>
+              <a:rPr lang="zh-CN" altLang="en-US" dirty="0"/>
+              <a:t>编程语言描述了图灵机</a:t>
+            </a:r>
+            <a:endParaRPr lang="en-US" altLang="zh-CN" dirty="0"/>
+          </a:p>
+          <a:p>
+            <a:r>
+              <a:rPr lang="zh-CN" altLang="en-US" dirty="0"/>
+              <a:t>计算机是图灵机的运行器</a:t>
+            </a:r>
+            <a:endParaRPr lang="en-US" altLang="zh-CN" dirty="0"/>
+          </a:p>
+          <a:p>
+            <a:r>
+              <a:rPr lang="zh-CN" altLang="en-US" dirty="0"/>
+              <a:t>虽然编程语言语法更为简单，可是描述了更强的东西</a:t>
+            </a:r>
+            <a:endParaRPr lang="en-US" altLang="zh-CN" dirty="0"/>
+          </a:p>
+          <a:p>
+            <a:r>
+              <a:rPr lang="zh-CN" altLang="en-US" dirty="0"/>
+              <a:t>自然语言也能够描述，可是由于语言的困难性，计算机无法解析</a:t>
+            </a:r>
+            <a:endParaRPr lang="en-US" altLang="zh-CN" dirty="0"/>
           </a:p>
         </p:txBody>
       </p:sp>
